--- a/assets/documents/SQLSatBR 2025 Template - 2025.pptx
+++ b/assets/documents/SQLSatBR 2025 Template - 2025.pptx
@@ -199,7 +199,7 @@
           <a:p>
             <a:fld id="{C3E812A2-BA0E-4022-8B99-492E73CBDA70}" type="datetimeFigureOut">
               <a:rPr lang="en-US" smtClean="0"/>
-              <a:t>7/21/2025</a:t>
+              <a:t>7/24/2025</a:t>
             </a:fld>
             <a:endParaRPr lang="en-US"/>
           </a:p>
@@ -627,7 +627,7 @@
           <a:p>
             <a:fld id="{0C6C1A25-4366-4F4A-8222-0600C7D6B40D}" type="datetimeFigureOut">
               <a:rPr lang="en-US" smtClean="0"/>
-              <a:t>7/21/2025</a:t>
+              <a:t>7/24/2025</a:t>
             </a:fld>
             <a:endParaRPr lang="en-US"/>
           </a:p>
@@ -866,7 +866,7 @@
           <a:p>
             <a:fld id="{0C6C1A25-4366-4F4A-8222-0600C7D6B40D}" type="datetimeFigureOut">
               <a:rPr lang="en-US" smtClean="0"/>
-              <a:t>7/21/2025</a:t>
+              <a:t>7/24/2025</a:t>
             </a:fld>
             <a:endParaRPr lang="en-US"/>
           </a:p>
@@ -1104,7 +1104,7 @@
           <a:p>
             <a:fld id="{0C6C1A25-4366-4F4A-8222-0600C7D6B40D}" type="datetimeFigureOut">
               <a:rPr lang="en-US" smtClean="0"/>
-              <a:t>7/21/2025</a:t>
+              <a:t>7/24/2025</a:t>
             </a:fld>
             <a:endParaRPr lang="en-US"/>
           </a:p>
@@ -1342,7 +1342,7 @@
           <a:p>
             <a:fld id="{0C6C1A25-4366-4F4A-8222-0600C7D6B40D}" type="datetimeFigureOut">
               <a:rPr lang="en-US" smtClean="0"/>
-              <a:t>7/21/2025</a:t>
+              <a:t>7/24/2025</a:t>
             </a:fld>
             <a:endParaRPr lang="en-US"/>
           </a:p>
@@ -1647,7 +1647,7 @@
           <a:p>
             <a:fld id="{0C6C1A25-4366-4F4A-8222-0600C7D6B40D}" type="datetimeFigureOut">
               <a:rPr lang="en-US" smtClean="0"/>
-              <a:t>7/21/2025</a:t>
+              <a:t>7/24/2025</a:t>
             </a:fld>
             <a:endParaRPr lang="en-US"/>
           </a:p>
@@ -1950,7 +1950,7 @@
           <a:p>
             <a:fld id="{0C6C1A25-4366-4F4A-8222-0600C7D6B40D}" type="datetimeFigureOut">
               <a:rPr lang="en-US" smtClean="0"/>
-              <a:t>7/21/2025</a:t>
+              <a:t>7/24/2025</a:t>
             </a:fld>
             <a:endParaRPr lang="en-US"/>
           </a:p>
@@ -2402,7 +2402,7 @@
           <a:p>
             <a:fld id="{0C6C1A25-4366-4F4A-8222-0600C7D6B40D}" type="datetimeFigureOut">
               <a:rPr lang="en-US" smtClean="0"/>
-              <a:t>7/21/2025</a:t>
+              <a:t>7/24/2025</a:t>
             </a:fld>
             <a:endParaRPr lang="en-US"/>
           </a:p>
@@ -2575,7 +2575,7 @@
           <a:p>
             <a:fld id="{0C6C1A25-4366-4F4A-8222-0600C7D6B40D}" type="datetimeFigureOut">
               <a:rPr lang="en-US" smtClean="0"/>
-              <a:t>7/21/2025</a:t>
+              <a:t>7/24/2025</a:t>
             </a:fld>
             <a:endParaRPr lang="en-US"/>
           </a:p>
@@ -2950,7 +2950,7 @@
           <a:p>
             <a:fld id="{0C6C1A25-4366-4F4A-8222-0600C7D6B40D}" type="datetimeFigureOut">
               <a:rPr lang="en-US" smtClean="0"/>
-              <a:t>7/21/2025</a:t>
+              <a:t>7/24/2025</a:t>
             </a:fld>
             <a:endParaRPr lang="en-US"/>
           </a:p>
@@ -5273,7 +5273,15 @@
           <a:p>
             <a:r>
               <a:rPr lang="en-US" dirty="0"/>
-              <a:t>Please complete you session evaluations</a:t>
+              <a:t>Please </a:t>
+            </a:r>
+            <a:r>
+              <a:rPr lang="en-US"/>
+              <a:t>complete your </a:t>
+            </a:r>
+            <a:r>
+              <a:rPr lang="en-US" dirty="0"/>
+              <a:t>session evaluations</a:t>
             </a:r>
           </a:p>
         </p:txBody>
